--- a/lessons/Variables.pptx
+++ b/lessons/Variables.pptx
@@ -224,7 +224,7 @@
           <a:p>
             <a:fld id="{58040048-1E4D-CD41-AC49-0750EB72586B}" type="datetimeFigureOut">
               <a:rPr lang="en-US" smtClean="0"/>
-              <a:t>6/1/2020</a:t>
+              <a:t>6/2/20</a:t>
             </a:fld>
             <a:endParaRPr lang="en-US"/>
           </a:p>
@@ -390,7 +390,7 @@
           <a:p>
             <a:fld id="{2B8484CF-5098-F24E-8881-583515D5C406}" type="datetimeFigureOut">
               <a:rPr lang="en-US" smtClean="0"/>
-              <a:t>6/1/2020</a:t>
+              <a:t>6/2/20</a:t>
             </a:fld>
             <a:endParaRPr lang="en-US"/>
           </a:p>
@@ -8041,14 +8041,21 @@
             <a:pPr lvl="1"/>
             <a:r>
               <a:rPr lang="en-US" altLang="en-US" dirty="0"/>
-              <a:t>Variable (Holds a number)</a:t>
-            </a:r>
+              <a:t>Variable (Holds a number or text) </a:t>
+            </a:r>
+            <a:r>
+              <a:rPr lang="en-US" altLang="en-US" dirty="0">
+                <a:sym typeface="Wingdings" pitchFamily="2" charset="2"/>
+              </a:rPr>
+              <a:t> Note: there are no Boolean/logic variables</a:t>
+            </a:r>
+            <a:endParaRPr lang="en-US" altLang="en-US" dirty="0"/>
           </a:p>
           <a:p>
             <a:pPr lvl="1"/>
             <a:r>
               <a:rPr lang="en-US" altLang="en-US" dirty="0"/>
-              <a:t>List (Holds a set of numbers … 1,2,3,10,55)</a:t>
+              <a:t>List (Holds a set of numbers/text … [1,2,3, apple, 55]) – these are covered in the lesson on Lists</a:t>
             </a:r>
           </a:p>
           <a:p>
